--- a/Slides.pptx
+++ b/Slides.pptx
@@ -5,7 +5,7 @@
     <p:sldMasterId id="2147483648" r:id="rId1"/>
   </p:sldMasterIdLst>
   <p:notesMasterIdLst>
-    <p:notesMasterId r:id="rId13"/>
+    <p:notesMasterId r:id="rId16"/>
   </p:notesMasterIdLst>
   <p:sldIdLst>
     <p:sldId id="263" r:id="rId2"/>
@@ -15,10 +15,13 @@
     <p:sldId id="268" r:id="rId6"/>
     <p:sldId id="269" r:id="rId7"/>
     <p:sldId id="270" r:id="rId8"/>
-    <p:sldId id="271" r:id="rId9"/>
-    <p:sldId id="272" r:id="rId10"/>
-    <p:sldId id="273" r:id="rId11"/>
-    <p:sldId id="274" r:id="rId12"/>
+    <p:sldId id="275" r:id="rId9"/>
+    <p:sldId id="271" r:id="rId10"/>
+    <p:sldId id="272" r:id="rId11"/>
+    <p:sldId id="273" r:id="rId12"/>
+    <p:sldId id="277" r:id="rId13"/>
+    <p:sldId id="274" r:id="rId14"/>
+    <p:sldId id="276" r:id="rId15"/>
   </p:sldIdLst>
   <p:sldSz cx="9939338" cy="7451725"/>
   <p:notesSz cx="6858000" cy="9144000"/>
@@ -218,7 +221,7 @@
           <a:p>
             <a:fld id="{B427785B-6BBF-0C47-ACBA-B11086AA28E6}" type="datetimeFigureOut">
               <a:rPr lang="da-DK" smtClean="0"/>
-              <a:t>04/12/2018</a:t>
+              <a:t>05/12/2018</a:t>
             </a:fld>
             <a:endParaRPr lang="da-DK"/>
           </a:p>
@@ -1943,6 +1946,110 @@
           <p:cNvPr id="2" name="Text Placeholder 1">
             <a:extLst>
               <a:ext uri="{FF2B5EF4-FFF2-40B4-BE49-F238E27FC236}">
+                <a16:creationId xmlns:a16="http://schemas.microsoft.com/office/drawing/2014/main" id="{E50362AD-3D1B-DC44-A62B-A302887632A9}"/>
+              </a:ext>
+            </a:extLst>
+          </p:cNvPr>
+          <p:cNvSpPr>
+            <a:spLocks noGrp="1"/>
+          </p:cNvSpPr>
+          <p:nvPr>
+            <p:ph type="body" sz="quarter" idx="10"/>
+          </p:nvPr>
+        </p:nvSpPr>
+        <p:spPr/>
+        <p:txBody>
+          <a:bodyPr/>
+          <a:lstStyle/>
+          <a:p>
+            <a:r>
+              <a:rPr lang="en-US" dirty="0"/>
+              <a:t>Implementation of debugger II</a:t>
+            </a:r>
+          </a:p>
+        </p:txBody>
+      </p:sp>
+      <p:sp>
+        <p:nvSpPr>
+          <p:cNvPr id="3" name="Text Placeholder 2">
+            <a:extLst>
+              <a:ext uri="{FF2B5EF4-FFF2-40B4-BE49-F238E27FC236}">
+                <a16:creationId xmlns:a16="http://schemas.microsoft.com/office/drawing/2014/main" id="{5D287486-B661-864C-8E7F-D4E8DCBFFCCA}"/>
+              </a:ext>
+            </a:extLst>
+          </p:cNvPr>
+          <p:cNvSpPr>
+            <a:spLocks noGrp="1"/>
+          </p:cNvSpPr>
+          <p:nvPr>
+            <p:ph type="body" sz="quarter" idx="11"/>
+          </p:nvPr>
+        </p:nvSpPr>
+        <p:spPr/>
+        <p:txBody>
+          <a:bodyPr/>
+          <a:lstStyle/>
+          <a:p>
+            <a:pPr marL="0" indent="0">
+              <a:buNone/>
+            </a:pPr>
+            <a:r>
+              <a:rPr lang="en-US" dirty="0"/>
+              <a:t>If the program is run using byte code, it is the same way. You swap the instruction at byte index 78 with a call to the debugger.</a:t>
+            </a:r>
+          </a:p>
+          <a:p>
+            <a:pPr marL="0" indent="0">
+              <a:buNone/>
+            </a:pPr>
+            <a:endParaRPr lang="en-US" dirty="0"/>
+          </a:p>
+          <a:p>
+            <a:pPr marL="0" indent="0">
+              <a:buNone/>
+            </a:pPr>
+            <a:r>
+              <a:rPr lang="en-US" dirty="0"/>
+              <a:t>If the byte code is translated into native instructions on the fly, you… change at 78 to a call to the debugger. This call is then translated into native instructions.</a:t>
+            </a:r>
+          </a:p>
+        </p:txBody>
+      </p:sp>
+    </p:spTree>
+    <p:extLst>
+      <p:ext uri="{BB962C8B-B14F-4D97-AF65-F5344CB8AC3E}">
+        <p14:creationId xmlns:p14="http://schemas.microsoft.com/office/powerpoint/2010/main" val="1645430983"/>
+      </p:ext>
+    </p:extLst>
+  </p:cSld>
+  <p:clrMapOvr>
+    <a:masterClrMapping/>
+  </p:clrMapOvr>
+</p:sld>
+</file>
+
+<file path=ppt/slides/slide11.xml><?xml version="1.0" encoding="utf-8"?>
+<p:sld xmlns:a="http://schemas.openxmlformats.org/drawingml/2006/main" xmlns:r="http://schemas.openxmlformats.org/officeDocument/2006/relationships" xmlns:p="http://schemas.openxmlformats.org/presentationml/2006/main">
+  <p:cSld>
+    <p:spTree>
+      <p:nvGrpSpPr>
+        <p:cNvPr id="1" name=""/>
+        <p:cNvGrpSpPr/>
+        <p:nvPr/>
+      </p:nvGrpSpPr>
+      <p:grpSpPr>
+        <a:xfrm>
+          <a:off x="0" y="0"/>
+          <a:ext cx="0" cy="0"/>
+          <a:chOff x="0" y="0"/>
+          <a:chExt cx="0" cy="0"/>
+        </a:xfrm>
+      </p:grpSpPr>
+      <p:sp>
+        <p:nvSpPr>
+          <p:cNvPr id="2" name="Text Placeholder 1">
+            <a:extLst>
+              <a:ext uri="{FF2B5EF4-FFF2-40B4-BE49-F238E27FC236}">
                 <a16:creationId xmlns:a16="http://schemas.microsoft.com/office/drawing/2014/main" id="{37F3B069-6CFF-6548-9D59-82FA5E085EF0}"/>
               </a:ext>
             </a:extLst>
@@ -2059,7 +2166,134 @@
 </p:sld>
 </file>
 
-<file path=ppt/slides/slide11.xml><?xml version="1.0" encoding="utf-8"?>
+<file path=ppt/slides/slide12.xml><?xml version="1.0" encoding="utf-8"?>
+<p:sld xmlns:a="http://schemas.openxmlformats.org/drawingml/2006/main" xmlns:r="http://schemas.openxmlformats.org/officeDocument/2006/relationships" xmlns:p="http://schemas.openxmlformats.org/presentationml/2006/main">
+  <p:cSld>
+    <p:spTree>
+      <p:nvGrpSpPr>
+        <p:cNvPr id="1" name=""/>
+        <p:cNvGrpSpPr/>
+        <p:nvPr/>
+      </p:nvGrpSpPr>
+      <p:grpSpPr>
+        <a:xfrm>
+          <a:off x="0" y="0"/>
+          <a:ext cx="0" cy="0"/>
+          <a:chOff x="0" y="0"/>
+          <a:chExt cx="0" cy="0"/>
+        </a:xfrm>
+      </p:grpSpPr>
+      <p:sp>
+        <p:nvSpPr>
+          <p:cNvPr id="2" name="Text Placeholder 1">
+            <a:extLst>
+              <a:ext uri="{FF2B5EF4-FFF2-40B4-BE49-F238E27FC236}">
+                <a16:creationId xmlns:a16="http://schemas.microsoft.com/office/drawing/2014/main" id="{2B5BB132-2539-664C-805F-226E1675EA9D}"/>
+              </a:ext>
+            </a:extLst>
+          </p:cNvPr>
+          <p:cNvSpPr>
+            <a:spLocks noGrp="1"/>
+          </p:cNvSpPr>
+          <p:nvPr>
+            <p:ph type="body" sz="quarter" idx="10"/>
+          </p:nvPr>
+        </p:nvSpPr>
+        <p:spPr/>
+        <p:txBody>
+          <a:bodyPr/>
+          <a:lstStyle/>
+          <a:p>
+            <a:r>
+              <a:rPr lang="en-US" dirty="0"/>
+              <a:t>Mapping from runtime to source</a:t>
+            </a:r>
+          </a:p>
+        </p:txBody>
+      </p:sp>
+      <p:sp>
+        <p:nvSpPr>
+          <p:cNvPr id="3" name="Text Placeholder 2">
+            <a:extLst>
+              <a:ext uri="{FF2B5EF4-FFF2-40B4-BE49-F238E27FC236}">
+                <a16:creationId xmlns:a16="http://schemas.microsoft.com/office/drawing/2014/main" id="{B9501A70-0468-1C45-9F28-2BC8BD753DFC}"/>
+              </a:ext>
+            </a:extLst>
+          </p:cNvPr>
+          <p:cNvSpPr>
+            <a:spLocks noGrp="1"/>
+          </p:cNvSpPr>
+          <p:nvPr>
+            <p:ph type="body" sz="quarter" idx="11"/>
+          </p:nvPr>
+        </p:nvSpPr>
+        <p:spPr/>
+        <p:txBody>
+          <a:bodyPr/>
+          <a:lstStyle/>
+          <a:p>
+            <a:pPr marL="0" indent="0">
+              <a:buNone/>
+            </a:pPr>
+            <a:r>
+              <a:rPr lang="en-US" dirty="0"/>
+              <a:t>When programs are compiled, mostly variable names, class names, line numbers etc. are removed.</a:t>
+            </a:r>
+          </a:p>
+          <a:p>
+            <a:pPr marL="0" indent="0">
+              <a:buNone/>
+            </a:pPr>
+            <a:endParaRPr lang="en-US" dirty="0"/>
+          </a:p>
+          <a:p>
+            <a:pPr marL="0" indent="0">
+              <a:buNone/>
+            </a:pPr>
+            <a:r>
+              <a:rPr lang="en-US" dirty="0"/>
+              <a:t>The debugger must be able to “recover” this info.</a:t>
+            </a:r>
+          </a:p>
+          <a:p>
+            <a:pPr marL="0" indent="0">
+              <a:buNone/>
+            </a:pPr>
+            <a:r>
+              <a:rPr lang="en-US" dirty="0"/>
+              <a:t>It must be </a:t>
+            </a:r>
+            <a:r>
+              <a:rPr lang="en-US"/>
+              <a:t>able to map </a:t>
+            </a:r>
+            <a:r>
+              <a:rPr lang="en-US" dirty="0"/>
+              <a:t>runtime structures to source</a:t>
+            </a:r>
+          </a:p>
+          <a:p>
+            <a:pPr marL="0" indent="0">
+              <a:buNone/>
+            </a:pPr>
+            <a:endParaRPr lang="en-US" dirty="0"/>
+          </a:p>
+        </p:txBody>
+      </p:sp>
+    </p:spTree>
+    <p:extLst>
+      <p:ext uri="{BB962C8B-B14F-4D97-AF65-F5344CB8AC3E}">
+        <p14:creationId xmlns:p14="http://schemas.microsoft.com/office/powerpoint/2010/main" val="2016741731"/>
+      </p:ext>
+    </p:extLst>
+  </p:cSld>
+  <p:clrMapOvr>
+    <a:masterClrMapping/>
+  </p:clrMapOvr>
+</p:sld>
+</file>
+
+<file path=ppt/slides/slide13.xml><?xml version="1.0" encoding="utf-8"?>
 <p:sld xmlns:a="http://schemas.openxmlformats.org/drawingml/2006/main" xmlns:r="http://schemas.openxmlformats.org/officeDocument/2006/relationships" xmlns:p="http://schemas.openxmlformats.org/presentationml/2006/main">
   <p:cSld>
     <p:spTree>
@@ -2192,6 +2426,131 @@
     <p:extLst>
       <p:ext uri="{BB962C8B-B14F-4D97-AF65-F5344CB8AC3E}">
         <p14:creationId xmlns:p14="http://schemas.microsoft.com/office/powerpoint/2010/main" val="1830694285"/>
+      </p:ext>
+    </p:extLst>
+  </p:cSld>
+  <p:clrMapOvr>
+    <a:masterClrMapping/>
+  </p:clrMapOvr>
+</p:sld>
+</file>
+
+<file path=ppt/slides/slide14.xml><?xml version="1.0" encoding="utf-8"?>
+<p:sld xmlns:a="http://schemas.openxmlformats.org/drawingml/2006/main" xmlns:r="http://schemas.openxmlformats.org/officeDocument/2006/relationships" xmlns:p="http://schemas.openxmlformats.org/presentationml/2006/main">
+  <p:cSld>
+    <p:spTree>
+      <p:nvGrpSpPr>
+        <p:cNvPr id="1" name=""/>
+        <p:cNvGrpSpPr/>
+        <p:nvPr/>
+      </p:nvGrpSpPr>
+      <p:grpSpPr>
+        <a:xfrm>
+          <a:off x="0" y="0"/>
+          <a:ext cx="0" cy="0"/>
+          <a:chOff x="0" y="0"/>
+          <a:chExt cx="0" cy="0"/>
+        </a:xfrm>
+      </p:grpSpPr>
+      <p:sp>
+        <p:nvSpPr>
+          <p:cNvPr id="2" name="Text Placeholder 1">
+            <a:extLst>
+              <a:ext uri="{FF2B5EF4-FFF2-40B4-BE49-F238E27FC236}">
+                <a16:creationId xmlns:a16="http://schemas.microsoft.com/office/drawing/2014/main" id="{5BA6C4A2-7E58-CE43-925E-5DCC28D3D512}"/>
+              </a:ext>
+            </a:extLst>
+          </p:cNvPr>
+          <p:cNvSpPr>
+            <a:spLocks noGrp="1"/>
+          </p:cNvSpPr>
+          <p:nvPr>
+            <p:ph type="body" sz="quarter" idx="10"/>
+          </p:nvPr>
+        </p:nvSpPr>
+        <p:spPr/>
+        <p:txBody>
+          <a:bodyPr/>
+          <a:lstStyle/>
+          <a:p>
+            <a:r>
+              <a:rPr lang="en-US" dirty="0"/>
+              <a:t>A few pointers for blender &amp; python</a:t>
+            </a:r>
+          </a:p>
+        </p:txBody>
+      </p:sp>
+      <p:sp>
+        <p:nvSpPr>
+          <p:cNvPr id="3" name="Text Placeholder 2">
+            <a:extLst>
+              <a:ext uri="{FF2B5EF4-FFF2-40B4-BE49-F238E27FC236}">
+                <a16:creationId xmlns:a16="http://schemas.microsoft.com/office/drawing/2014/main" id="{9AB98A0C-1086-5E49-A13C-A9D45E8F4EF7}"/>
+              </a:ext>
+            </a:extLst>
+          </p:cNvPr>
+          <p:cNvSpPr>
+            <a:spLocks noGrp="1"/>
+          </p:cNvSpPr>
+          <p:nvPr>
+            <p:ph type="body" sz="quarter" idx="11"/>
+          </p:nvPr>
+        </p:nvSpPr>
+        <p:spPr/>
+        <p:txBody>
+          <a:bodyPr/>
+          <a:lstStyle/>
+          <a:p>
+            <a:r>
+              <a:rPr lang="en-US" dirty="0" err="1"/>
+              <a:t>Jetbrains</a:t>
+            </a:r>
+            <a:r>
+              <a:rPr lang="en-US" dirty="0"/>
+              <a:t> own explanation for </a:t>
+            </a:r>
+            <a:r>
+              <a:rPr lang="en-US" dirty="0">
+                <a:hlinkClick r:id="rId2"/>
+              </a:rPr>
+              <a:t>remote debugging</a:t>
+            </a:r>
+            <a:r>
+              <a:rPr lang="en-US" dirty="0"/>
+              <a:t>.</a:t>
+            </a:r>
+          </a:p>
+          <a:p>
+            <a:r>
+              <a:rPr lang="en-US" dirty="0"/>
+              <a:t>Remote </a:t>
+            </a:r>
+            <a:r>
+              <a:rPr lang="en-US" dirty="0">
+                <a:hlinkClick r:id="rId3"/>
+              </a:rPr>
+              <a:t>debugging of blender using pycharm</a:t>
+            </a:r>
+            <a:r>
+              <a:rPr lang="en-US" dirty="0"/>
+              <a:t>.</a:t>
+            </a:r>
+          </a:p>
+          <a:p>
+            <a:endParaRPr lang="en-US" dirty="0"/>
+          </a:p>
+          <a:p>
+            <a:pPr marL="0" indent="0">
+              <a:buNone/>
+            </a:pPr>
+            <a:endParaRPr lang="en-US" dirty="0"/>
+          </a:p>
+        </p:txBody>
+      </p:sp>
+    </p:spTree>
+    <p:extLst>
+      <p:ext uri="{BB962C8B-B14F-4D97-AF65-F5344CB8AC3E}">
+        <p14:creationId xmlns:p14="http://schemas.microsoft.com/office/powerpoint/2010/main" val="2624417287"/>
       </p:ext>
     </p:extLst>
   </p:cSld>
@@ -3507,7 +3866,7 @@
           <p:cNvPr id="2" name="Text Placeholder 1">
             <a:extLst>
               <a:ext uri="{FF2B5EF4-FFF2-40B4-BE49-F238E27FC236}">
-                <a16:creationId xmlns:a16="http://schemas.microsoft.com/office/drawing/2014/main" id="{E453E5AF-57F9-104B-A914-4332ADCD1727}"/>
+                <a16:creationId xmlns:a16="http://schemas.microsoft.com/office/drawing/2014/main" id="{5ED3945A-BB4E-4B42-B56A-2B7F584BC0B4}"/>
               </a:ext>
             </a:extLst>
           </p:cNvPr>
@@ -3525,7 +3884,7 @@
           <a:p>
             <a:r>
               <a:rPr lang="en-US" dirty="0"/>
-              <a:t>Implementation of a debugger</a:t>
+              <a:t>Debugging a slightly larger program</a:t>
             </a:r>
           </a:p>
         </p:txBody>
@@ -3535,7 +3894,7 @@
           <p:cNvPr id="3" name="Text Placeholder 2">
             <a:extLst>
               <a:ext uri="{FF2B5EF4-FFF2-40B4-BE49-F238E27FC236}">
-                <a16:creationId xmlns:a16="http://schemas.microsoft.com/office/drawing/2014/main" id="{C62A3F2B-902A-0F43-9CA7-01752E5D04D8}"/>
+                <a16:creationId xmlns:a16="http://schemas.microsoft.com/office/drawing/2014/main" id="{883D7E29-68EB-204D-9E79-9F76E7098B9B}"/>
               </a:ext>
             </a:extLst>
           </p:cNvPr>
@@ -3556,73 +3915,15 @@
             </a:pPr>
             <a:r>
               <a:rPr lang="en-US" dirty="0"/>
-              <a:t>The runtime of the program has stack and heap.</a:t>
-            </a:r>
-          </a:p>
-          <a:p>
-            <a:pPr marL="0" indent="0">
-              <a:buNone/>
-            </a:pPr>
-            <a:r>
-              <a:rPr lang="en-US" dirty="0"/>
-              <a:t>In addition, it has the program – in the form of instructions in memory.</a:t>
-            </a:r>
-          </a:p>
-          <a:p>
-            <a:pPr marL="0" indent="0">
-              <a:buNone/>
-            </a:pPr>
-            <a:r>
-              <a:rPr lang="en-US" dirty="0"/>
-              <a:t>CPU does this loop:</a:t>
-            </a:r>
-          </a:p>
-          <a:p>
-            <a:pPr marL="514350" indent="-514350">
-              <a:buFont typeface="+mj-lt"/>
-              <a:buAutoNum type="arabicPeriod"/>
-            </a:pPr>
+              <a:t>(( </a:t>
+            </a:r>
             <a:r>
               <a:rPr lang="en-US" dirty="0" err="1"/>
-              <a:t>inst</a:t>
-            </a:r>
-            <a:r>
-              <a:rPr lang="en-US" dirty="0"/>
-              <a:t> = Mem[</a:t>
-            </a:r>
-            <a:r>
-              <a:rPr lang="en-US" dirty="0" err="1"/>
-              <a:t>ip</a:t>
-            </a:r>
-            <a:r>
-              <a:rPr lang="en-US" dirty="0"/>
-              <a:t>] #</a:t>
-            </a:r>
-            <a:r>
-              <a:rPr lang="en-US" dirty="0" err="1"/>
-              <a:t>ip</a:t>
-            </a:r>
-            <a:r>
-              <a:rPr lang="en-US" dirty="0"/>
-              <a:t>= instruction pointer</a:t>
-            </a:r>
-          </a:p>
-          <a:p>
-            <a:pPr marL="514350" indent="-514350">
-              <a:buFont typeface="+mj-lt"/>
-              <a:buAutoNum type="arabicPeriod"/>
-            </a:pPr>
-            <a:r>
-              <a:rPr lang="en-US" dirty="0"/>
-              <a:t>execute(</a:t>
-            </a:r>
-            <a:r>
-              <a:rPr lang="en-US" dirty="0" err="1"/>
-              <a:t>inst</a:t>
-            </a:r>
-            <a:r>
-              <a:rPr lang="en-US" dirty="0"/>
-              <a:t>)</a:t>
+              <a:t>DemoArrayList</a:t>
+            </a:r>
+            <a:r>
+              <a:rPr lang="en-US" dirty="0"/>
+              <a:t> ))</a:t>
             </a:r>
           </a:p>
           <a:p>
@@ -3632,20 +3933,28 @@
             <a:endParaRPr lang="en-US" dirty="0"/>
           </a:p>
           <a:p>
-            <a:pPr marL="0" indent="0">
-              <a:buNone/>
+            <a:pPr>
+              <a:buFont typeface="Arial" panose="020B0604020202020204" pitchFamily="34" charset="0"/>
+              <a:buChar char="•"/>
             </a:pPr>
             <a:r>
               <a:rPr lang="en-US" dirty="0"/>
-              <a:t>If you want the debugger to break at instruction 78, you swap the instruction at location 78 with a call to the debugger. That is it.</a:t>
-            </a:r>
+              <a:t>Break on exceptions</a:t>
+            </a:r>
+          </a:p>
+          <a:p>
+            <a:pPr>
+              <a:buFont typeface="Arial" panose="020B0604020202020204" pitchFamily="34" charset="0"/>
+              <a:buChar char="•"/>
+            </a:pPr>
+            <a:endParaRPr lang="en-US" dirty="0"/>
           </a:p>
         </p:txBody>
       </p:sp>
     </p:spTree>
     <p:extLst>
       <p:ext uri="{BB962C8B-B14F-4D97-AF65-F5344CB8AC3E}">
-        <p14:creationId xmlns:p14="http://schemas.microsoft.com/office/powerpoint/2010/main" val="4033262227"/>
+        <p14:creationId xmlns:p14="http://schemas.microsoft.com/office/powerpoint/2010/main" val="3688732199"/>
       </p:ext>
     </p:extLst>
   </p:cSld>
@@ -3677,7 +3986,7 @@
           <p:cNvPr id="2" name="Text Placeholder 1">
             <a:extLst>
               <a:ext uri="{FF2B5EF4-FFF2-40B4-BE49-F238E27FC236}">
-                <a16:creationId xmlns:a16="http://schemas.microsoft.com/office/drawing/2014/main" id="{E50362AD-3D1B-DC44-A62B-A302887632A9}"/>
+                <a16:creationId xmlns:a16="http://schemas.microsoft.com/office/drawing/2014/main" id="{E453E5AF-57F9-104B-A914-4332ADCD1727}"/>
               </a:ext>
             </a:extLst>
           </p:cNvPr>
@@ -3695,7 +4004,7 @@
           <a:p>
             <a:r>
               <a:rPr lang="en-US" dirty="0"/>
-              <a:t>Implementation of debugger II</a:t>
+              <a:t>Implementation of a debugger</a:t>
             </a:r>
           </a:p>
         </p:txBody>
@@ -3705,7 +4014,7 @@
           <p:cNvPr id="3" name="Text Placeholder 2">
             <a:extLst>
               <a:ext uri="{FF2B5EF4-FFF2-40B4-BE49-F238E27FC236}">
-                <a16:creationId xmlns:a16="http://schemas.microsoft.com/office/drawing/2014/main" id="{5D287486-B661-864C-8E7F-D4E8DCBFFCCA}"/>
+                <a16:creationId xmlns:a16="http://schemas.microsoft.com/office/drawing/2014/main" id="{C62A3F2B-902A-0F43-9CA7-01752E5D04D8}"/>
               </a:ext>
             </a:extLst>
           </p:cNvPr>
@@ -3726,7 +4035,73 @@
             </a:pPr>
             <a:r>
               <a:rPr lang="en-US" dirty="0"/>
-              <a:t>If the program is run using byte code, it is the same way. You swap the instruction at byte index 78 with a call to the debugger.</a:t>
+              <a:t>The runtime of the program has stack and heap.</a:t>
+            </a:r>
+          </a:p>
+          <a:p>
+            <a:pPr marL="0" indent="0">
+              <a:buNone/>
+            </a:pPr>
+            <a:r>
+              <a:rPr lang="en-US" dirty="0"/>
+              <a:t>In addition, it has the program – in the form of instructions in memory.</a:t>
+            </a:r>
+          </a:p>
+          <a:p>
+            <a:pPr marL="0" indent="0">
+              <a:buNone/>
+            </a:pPr>
+            <a:r>
+              <a:rPr lang="en-US" dirty="0"/>
+              <a:t>CPU does this loop:</a:t>
+            </a:r>
+          </a:p>
+          <a:p>
+            <a:pPr marL="514350" indent="-514350">
+              <a:buFont typeface="+mj-lt"/>
+              <a:buAutoNum type="arabicPeriod"/>
+            </a:pPr>
+            <a:r>
+              <a:rPr lang="en-US" dirty="0" err="1"/>
+              <a:t>inst</a:t>
+            </a:r>
+            <a:r>
+              <a:rPr lang="en-US" dirty="0"/>
+              <a:t> = Mem[</a:t>
+            </a:r>
+            <a:r>
+              <a:rPr lang="en-US" dirty="0" err="1"/>
+              <a:t>ip</a:t>
+            </a:r>
+            <a:r>
+              <a:rPr lang="en-US" dirty="0"/>
+              <a:t>] #</a:t>
+            </a:r>
+            <a:r>
+              <a:rPr lang="en-US" dirty="0" err="1"/>
+              <a:t>ip</a:t>
+            </a:r>
+            <a:r>
+              <a:rPr lang="en-US" dirty="0"/>
+              <a:t>= instruction pointer</a:t>
+            </a:r>
+          </a:p>
+          <a:p>
+            <a:pPr marL="514350" indent="-514350">
+              <a:buFont typeface="+mj-lt"/>
+              <a:buAutoNum type="arabicPeriod"/>
+            </a:pPr>
+            <a:r>
+              <a:rPr lang="en-US" dirty="0"/>
+              <a:t>execute(</a:t>
+            </a:r>
+            <a:r>
+              <a:rPr lang="en-US" dirty="0" err="1"/>
+              <a:t>inst</a:t>
+            </a:r>
+            <a:r>
+              <a:rPr lang="en-US" dirty="0"/>
+              <a:t>)</a:t>
             </a:r>
           </a:p>
           <a:p>
@@ -3741,7 +4116,7 @@
             </a:pPr>
             <a:r>
               <a:rPr lang="en-US" dirty="0"/>
-              <a:t>If the byte code is translated into native instructions on the fly, you… change at 78 to a call to the debugger. This call is then translated into native instructions.</a:t>
+              <a:t>If you want the debugger to break at instruction 78, you swap the instruction at location 78 with a call to the debugger. That is it.</a:t>
             </a:r>
           </a:p>
         </p:txBody>
@@ -3749,7 +4124,7 @@
     </p:spTree>
     <p:extLst>
       <p:ext uri="{BB962C8B-B14F-4D97-AF65-F5344CB8AC3E}">
-        <p14:creationId xmlns:p14="http://schemas.microsoft.com/office/powerpoint/2010/main" val="1645430983"/>
+        <p14:creationId xmlns:p14="http://schemas.microsoft.com/office/powerpoint/2010/main" val="4033262227"/>
       </p:ext>
     </p:extLst>
   </p:cSld>

--- a/Slides.pptx
+++ b/Slides.pptx
@@ -5,23 +5,24 @@
     <p:sldMasterId id="2147483648" r:id="rId1"/>
   </p:sldMasterIdLst>
   <p:notesMasterIdLst>
-    <p:notesMasterId r:id="rId16"/>
+    <p:notesMasterId r:id="rId17"/>
   </p:notesMasterIdLst>
   <p:sldIdLst>
     <p:sldId id="263" r:id="rId2"/>
-    <p:sldId id="265" r:id="rId3"/>
-    <p:sldId id="266" r:id="rId4"/>
-    <p:sldId id="267" r:id="rId5"/>
-    <p:sldId id="268" r:id="rId6"/>
-    <p:sldId id="269" r:id="rId7"/>
-    <p:sldId id="270" r:id="rId8"/>
-    <p:sldId id="275" r:id="rId9"/>
-    <p:sldId id="271" r:id="rId10"/>
-    <p:sldId id="272" r:id="rId11"/>
-    <p:sldId id="273" r:id="rId12"/>
-    <p:sldId id="277" r:id="rId13"/>
-    <p:sldId id="274" r:id="rId14"/>
-    <p:sldId id="276" r:id="rId15"/>
+    <p:sldId id="278" r:id="rId3"/>
+    <p:sldId id="265" r:id="rId4"/>
+    <p:sldId id="266" r:id="rId5"/>
+    <p:sldId id="267" r:id="rId6"/>
+    <p:sldId id="268" r:id="rId7"/>
+    <p:sldId id="269" r:id="rId8"/>
+    <p:sldId id="270" r:id="rId9"/>
+    <p:sldId id="275" r:id="rId10"/>
+    <p:sldId id="271" r:id="rId11"/>
+    <p:sldId id="272" r:id="rId12"/>
+    <p:sldId id="273" r:id="rId13"/>
+    <p:sldId id="277" r:id="rId14"/>
+    <p:sldId id="274" r:id="rId15"/>
+    <p:sldId id="276" r:id="rId16"/>
   </p:sldIdLst>
   <p:sldSz cx="9939338" cy="7451725"/>
   <p:notesSz cx="6858000" cy="9144000"/>
@@ -1600,15 +1601,15 @@
         </p:nvSpPr>
         <p:spPr>
           <a:xfrm>
-            <a:off x="1118093" y="3342399"/>
-            <a:ext cx="7294727" cy="1241954"/>
+            <a:off x="1118093" y="3342398"/>
+            <a:ext cx="7294727" cy="3266219"/>
           </a:xfrm>
           <a:prstGeom prst="rect">
             <a:avLst/>
           </a:prstGeom>
         </p:spPr>
         <p:txBody>
-          <a:bodyPr vert="horz" lIns="99377" tIns="49688" rIns="99377" bIns="49688" rtlCol="0" anchor="ctr">
+          <a:bodyPr vert="horz" lIns="99377" tIns="49688" rIns="99377" bIns="49688" rtlCol="0" anchor="t">
             <a:noAutofit/>
           </a:bodyPr>
           <a:lstStyle>
@@ -1628,11 +1629,54 @@
             </a:lvl1pPr>
           </a:lstStyle>
           <a:p>
+            <a:pPr algn="ctr"/>
             <a:r>
               <a:rPr lang="da-DK" dirty="0"/>
-              <a:t>Debugging and debuggers </a:t>
-            </a:r>
-            <a:endParaRPr lang="en-US" dirty="0"/>
+              <a:t>Debugging and debuggers</a:t>
+            </a:r>
+          </a:p>
+          <a:p>
+            <a:pPr algn="ctr"/>
+            <a:endParaRPr lang="da-DK" dirty="0"/>
+          </a:p>
+          <a:p>
+            <a:pPr algn="ctr"/>
+            <a:r>
+              <a:rPr lang="da-DK" sz="2800" dirty="0" err="1"/>
+              <a:t>Universidade</a:t>
+            </a:r>
+            <a:r>
+              <a:rPr lang="da-DK" sz="2800" dirty="0"/>
+              <a:t> dos </a:t>
+            </a:r>
+            <a:r>
+              <a:rPr lang="da-DK" sz="2800" dirty="0" err="1"/>
+              <a:t>Açores</a:t>
+            </a:r>
+            <a:endParaRPr lang="da-DK" sz="2800" dirty="0"/>
+          </a:p>
+          <a:p>
+            <a:pPr algn="ctr"/>
+            <a:endParaRPr lang="da-DK" dirty="0"/>
+          </a:p>
+          <a:p>
+            <a:pPr algn="ctr"/>
+            <a:r>
+              <a:rPr lang="da-DK" sz="2400" dirty="0"/>
+              <a:t>Kasper Østerbye</a:t>
+            </a:r>
+          </a:p>
+          <a:p>
+            <a:pPr algn="ctr"/>
+            <a:endParaRPr lang="da-DK" sz="2400" dirty="0"/>
+          </a:p>
+          <a:p>
+            <a:pPr algn="ctr"/>
+            <a:r>
+              <a:rPr lang="da-DK" sz="1800" dirty="0"/>
+              <a:t>December 2018 </a:t>
+            </a:r>
+            <a:endParaRPr lang="en-US" sz="1800" dirty="0"/>
           </a:p>
         </p:txBody>
       </p:sp>
@@ -1946,6 +1990,176 @@
           <p:cNvPr id="2" name="Text Placeholder 1">
             <a:extLst>
               <a:ext uri="{FF2B5EF4-FFF2-40B4-BE49-F238E27FC236}">
+                <a16:creationId xmlns:a16="http://schemas.microsoft.com/office/drawing/2014/main" id="{E453E5AF-57F9-104B-A914-4332ADCD1727}"/>
+              </a:ext>
+            </a:extLst>
+          </p:cNvPr>
+          <p:cNvSpPr>
+            <a:spLocks noGrp="1"/>
+          </p:cNvSpPr>
+          <p:nvPr>
+            <p:ph type="body" sz="quarter" idx="10"/>
+          </p:nvPr>
+        </p:nvSpPr>
+        <p:spPr/>
+        <p:txBody>
+          <a:bodyPr/>
+          <a:lstStyle/>
+          <a:p>
+            <a:r>
+              <a:rPr lang="en-US" dirty="0"/>
+              <a:t>Implementation of a debugger</a:t>
+            </a:r>
+          </a:p>
+        </p:txBody>
+      </p:sp>
+      <p:sp>
+        <p:nvSpPr>
+          <p:cNvPr id="3" name="Text Placeholder 2">
+            <a:extLst>
+              <a:ext uri="{FF2B5EF4-FFF2-40B4-BE49-F238E27FC236}">
+                <a16:creationId xmlns:a16="http://schemas.microsoft.com/office/drawing/2014/main" id="{C62A3F2B-902A-0F43-9CA7-01752E5D04D8}"/>
+              </a:ext>
+            </a:extLst>
+          </p:cNvPr>
+          <p:cNvSpPr>
+            <a:spLocks noGrp="1"/>
+          </p:cNvSpPr>
+          <p:nvPr>
+            <p:ph type="body" sz="quarter" idx="11"/>
+          </p:nvPr>
+        </p:nvSpPr>
+        <p:spPr/>
+        <p:txBody>
+          <a:bodyPr/>
+          <a:lstStyle/>
+          <a:p>
+            <a:pPr marL="0" indent="0">
+              <a:buNone/>
+            </a:pPr>
+            <a:r>
+              <a:rPr lang="en-US" dirty="0"/>
+              <a:t>The runtime of the program has stack and heap.</a:t>
+            </a:r>
+          </a:p>
+          <a:p>
+            <a:pPr marL="0" indent="0">
+              <a:buNone/>
+            </a:pPr>
+            <a:r>
+              <a:rPr lang="en-US" dirty="0"/>
+              <a:t>In addition, it has the program – in the form of instructions in memory.</a:t>
+            </a:r>
+          </a:p>
+          <a:p>
+            <a:pPr marL="0" indent="0">
+              <a:buNone/>
+            </a:pPr>
+            <a:r>
+              <a:rPr lang="en-US" dirty="0"/>
+              <a:t>CPU does this loop:</a:t>
+            </a:r>
+          </a:p>
+          <a:p>
+            <a:pPr marL="514350" indent="-514350">
+              <a:buFont typeface="+mj-lt"/>
+              <a:buAutoNum type="arabicPeriod"/>
+            </a:pPr>
+            <a:r>
+              <a:rPr lang="en-US" dirty="0" err="1"/>
+              <a:t>inst</a:t>
+            </a:r>
+            <a:r>
+              <a:rPr lang="en-US" dirty="0"/>
+              <a:t> = Mem[</a:t>
+            </a:r>
+            <a:r>
+              <a:rPr lang="en-US" dirty="0" err="1"/>
+              <a:t>ip</a:t>
+            </a:r>
+            <a:r>
+              <a:rPr lang="en-US" dirty="0"/>
+              <a:t>] #</a:t>
+            </a:r>
+            <a:r>
+              <a:rPr lang="en-US" dirty="0" err="1"/>
+              <a:t>ip</a:t>
+            </a:r>
+            <a:r>
+              <a:rPr lang="en-US" dirty="0"/>
+              <a:t>= instruction pointer</a:t>
+            </a:r>
+          </a:p>
+          <a:p>
+            <a:pPr marL="514350" indent="-514350">
+              <a:buFont typeface="+mj-lt"/>
+              <a:buAutoNum type="arabicPeriod"/>
+            </a:pPr>
+            <a:r>
+              <a:rPr lang="en-US" dirty="0"/>
+              <a:t>execute(</a:t>
+            </a:r>
+            <a:r>
+              <a:rPr lang="en-US" dirty="0" err="1"/>
+              <a:t>inst</a:t>
+            </a:r>
+            <a:r>
+              <a:rPr lang="en-US" dirty="0"/>
+              <a:t>)</a:t>
+            </a:r>
+          </a:p>
+          <a:p>
+            <a:pPr marL="0" indent="0">
+              <a:buNone/>
+            </a:pPr>
+            <a:endParaRPr lang="en-US" dirty="0"/>
+          </a:p>
+          <a:p>
+            <a:pPr marL="0" indent="0">
+              <a:buNone/>
+            </a:pPr>
+            <a:r>
+              <a:rPr lang="en-US" dirty="0"/>
+              <a:t>If you want the debugger to break at instruction 78, you swap the instruction at location 78 with a call to the debugger. That is it.</a:t>
+            </a:r>
+          </a:p>
+        </p:txBody>
+      </p:sp>
+    </p:spTree>
+    <p:extLst>
+      <p:ext uri="{BB962C8B-B14F-4D97-AF65-F5344CB8AC3E}">
+        <p14:creationId xmlns:p14="http://schemas.microsoft.com/office/powerpoint/2010/main" val="4033262227"/>
+      </p:ext>
+    </p:extLst>
+  </p:cSld>
+  <p:clrMapOvr>
+    <a:masterClrMapping/>
+  </p:clrMapOvr>
+</p:sld>
+</file>
+
+<file path=ppt/slides/slide11.xml><?xml version="1.0" encoding="utf-8"?>
+<p:sld xmlns:a="http://schemas.openxmlformats.org/drawingml/2006/main" xmlns:r="http://schemas.openxmlformats.org/officeDocument/2006/relationships" xmlns:p="http://schemas.openxmlformats.org/presentationml/2006/main">
+  <p:cSld>
+    <p:spTree>
+      <p:nvGrpSpPr>
+        <p:cNvPr id="1" name=""/>
+        <p:cNvGrpSpPr/>
+        <p:nvPr/>
+      </p:nvGrpSpPr>
+      <p:grpSpPr>
+        <a:xfrm>
+          <a:off x="0" y="0"/>
+          <a:ext cx="0" cy="0"/>
+          <a:chOff x="0" y="0"/>
+          <a:chExt cx="0" cy="0"/>
+        </a:xfrm>
+      </p:grpSpPr>
+      <p:sp>
+        <p:nvSpPr>
+          <p:cNvPr id="2" name="Text Placeholder 1">
+            <a:extLst>
+              <a:ext uri="{FF2B5EF4-FFF2-40B4-BE49-F238E27FC236}">
                 <a16:creationId xmlns:a16="http://schemas.microsoft.com/office/drawing/2014/main" id="{E50362AD-3D1B-DC44-A62B-A302887632A9}"/>
               </a:ext>
             </a:extLst>
@@ -2028,7 +2242,7 @@
 </p:sld>
 </file>
 
-<file path=ppt/slides/slide11.xml><?xml version="1.0" encoding="utf-8"?>
+<file path=ppt/slides/slide12.xml><?xml version="1.0" encoding="utf-8"?>
 <p:sld xmlns:a="http://schemas.openxmlformats.org/drawingml/2006/main" xmlns:r="http://schemas.openxmlformats.org/officeDocument/2006/relationships" xmlns:p="http://schemas.openxmlformats.org/presentationml/2006/main">
   <p:cSld>
     <p:spTree>
@@ -2166,7 +2380,7 @@
 </p:sld>
 </file>
 
-<file path=ppt/slides/slide12.xml><?xml version="1.0" encoding="utf-8"?>
+<file path=ppt/slides/slide13.xml><?xml version="1.0" encoding="utf-8"?>
 <p:sld xmlns:a="http://schemas.openxmlformats.org/drawingml/2006/main" xmlns:r="http://schemas.openxmlformats.org/officeDocument/2006/relationships" xmlns:p="http://schemas.openxmlformats.org/presentationml/2006/main">
   <p:cSld>
     <p:spTree>
@@ -2293,7 +2507,7 @@
 </p:sld>
 </file>
 
-<file path=ppt/slides/slide13.xml><?xml version="1.0" encoding="utf-8"?>
+<file path=ppt/slides/slide14.xml><?xml version="1.0" encoding="utf-8"?>
 <p:sld xmlns:a="http://schemas.openxmlformats.org/drawingml/2006/main" xmlns:r="http://schemas.openxmlformats.org/officeDocument/2006/relationships" xmlns:p="http://schemas.openxmlformats.org/presentationml/2006/main">
   <p:cSld>
     <p:spTree>
@@ -2435,7 +2649,7 @@
 </p:sld>
 </file>
 
-<file path=ppt/slides/slide14.xml><?xml version="1.0" encoding="utf-8"?>
+<file path=ppt/slides/slide15.xml><?xml version="1.0" encoding="utf-8"?>
 <p:sld xmlns:a="http://schemas.openxmlformats.org/drawingml/2006/main" xmlns:r="http://schemas.openxmlformats.org/officeDocument/2006/relationships" xmlns:p="http://schemas.openxmlformats.org/presentationml/2006/main">
   <p:cSld>
     <p:spTree>
@@ -2582,6 +2796,111 @@
           <p:cNvPr id="2" name="Text Placeholder 1">
             <a:extLst>
               <a:ext uri="{FF2B5EF4-FFF2-40B4-BE49-F238E27FC236}">
+                <a16:creationId xmlns:a16="http://schemas.microsoft.com/office/drawing/2014/main" id="{0215E028-4FF6-364A-86F9-CD0EE4F14E16}"/>
+              </a:ext>
+            </a:extLst>
+          </p:cNvPr>
+          <p:cNvSpPr>
+            <a:spLocks noGrp="1"/>
+          </p:cNvSpPr>
+          <p:nvPr>
+            <p:ph type="body" sz="quarter" idx="10"/>
+          </p:nvPr>
+        </p:nvSpPr>
+        <p:spPr/>
+        <p:txBody>
+          <a:bodyPr/>
+          <a:lstStyle/>
+          <a:p>
+            <a:r>
+              <a:rPr lang="en-US" dirty="0"/>
+              <a:t>Copy of slides at</a:t>
+            </a:r>
+          </a:p>
+        </p:txBody>
+      </p:sp>
+      <p:sp>
+        <p:nvSpPr>
+          <p:cNvPr id="3" name="Text Placeholder 2">
+            <a:extLst>
+              <a:ext uri="{FF2B5EF4-FFF2-40B4-BE49-F238E27FC236}">
+                <a16:creationId xmlns:a16="http://schemas.microsoft.com/office/drawing/2014/main" id="{8C150555-9D38-CD4A-BE93-3B739BD1928D}"/>
+              </a:ext>
+            </a:extLst>
+          </p:cNvPr>
+          <p:cNvSpPr>
+            <a:spLocks noGrp="1"/>
+          </p:cNvSpPr>
+          <p:nvPr>
+            <p:ph type="body" sz="quarter" idx="11"/>
+          </p:nvPr>
+        </p:nvSpPr>
+        <p:spPr/>
+        <p:txBody>
+          <a:bodyPr/>
+          <a:lstStyle/>
+          <a:p>
+            <a:pPr marL="0" indent="0">
+              <a:buNone/>
+            </a:pPr>
+            <a:r>
+              <a:rPr lang="en-US" dirty="0"/>
+              <a:t>https://</a:t>
+            </a:r>
+            <a:r>
+              <a:rPr lang="en-US" dirty="0" err="1"/>
+              <a:t>github.com</a:t>
+            </a:r>
+            <a:r>
+              <a:rPr lang="en-US" dirty="0"/>
+              <a:t>/</a:t>
+            </a:r>
+            <a:r>
+              <a:rPr lang="en-US" dirty="0" err="1"/>
+              <a:t>KasperAtAzores</a:t>
+            </a:r>
+            <a:r>
+              <a:rPr lang="en-US" dirty="0"/>
+              <a:t>/0_Debugging</a:t>
+            </a:r>
+          </a:p>
+        </p:txBody>
+      </p:sp>
+    </p:spTree>
+    <p:extLst>
+      <p:ext uri="{BB962C8B-B14F-4D97-AF65-F5344CB8AC3E}">
+        <p14:creationId xmlns:p14="http://schemas.microsoft.com/office/powerpoint/2010/main" val="2667924702"/>
+      </p:ext>
+    </p:extLst>
+  </p:cSld>
+  <p:clrMapOvr>
+    <a:masterClrMapping/>
+  </p:clrMapOvr>
+</p:sld>
+</file>
+
+<file path=ppt/slides/slide3.xml><?xml version="1.0" encoding="utf-8"?>
+<p:sld xmlns:a="http://schemas.openxmlformats.org/drawingml/2006/main" xmlns:r="http://schemas.openxmlformats.org/officeDocument/2006/relationships" xmlns:p="http://schemas.openxmlformats.org/presentationml/2006/main">
+  <p:cSld>
+    <p:spTree>
+      <p:nvGrpSpPr>
+        <p:cNvPr id="1" name=""/>
+        <p:cNvGrpSpPr/>
+        <p:nvPr/>
+      </p:nvGrpSpPr>
+      <p:grpSpPr>
+        <a:xfrm>
+          <a:off x="0" y="0"/>
+          <a:ext cx="0" cy="0"/>
+          <a:chOff x="0" y="0"/>
+          <a:chExt cx="0" cy="0"/>
+        </a:xfrm>
+      </p:grpSpPr>
+      <p:sp>
+        <p:nvSpPr>
+          <p:cNvPr id="2" name="Text Placeholder 1">
+            <a:extLst>
+              <a:ext uri="{FF2B5EF4-FFF2-40B4-BE49-F238E27FC236}">
                 <a16:creationId xmlns:a16="http://schemas.microsoft.com/office/drawing/2014/main" id="{B762BD28-F4DC-C74A-A589-C0AAAA46A128}"/>
               </a:ext>
             </a:extLst>
@@ -2717,7 +3036,7 @@
 </p:sld>
 </file>
 
-<file path=ppt/slides/slide3.xml><?xml version="1.0" encoding="utf-8"?>
+<file path=ppt/slides/slide4.xml><?xml version="1.0" encoding="utf-8"?>
 <p:sld xmlns:a="http://schemas.openxmlformats.org/drawingml/2006/main" xmlns:r="http://schemas.openxmlformats.org/officeDocument/2006/relationships" xmlns:p="http://schemas.openxmlformats.org/presentationml/2006/main">
   <p:cSld>
     <p:spTree>
@@ -2854,7 +3173,7 @@
 </p:sld>
 </file>
 
-<file path=ppt/slides/slide4.xml><?xml version="1.0" encoding="utf-8"?>
+<file path=ppt/slides/slide5.xml><?xml version="1.0" encoding="utf-8"?>
 <p:sld xmlns:a="http://schemas.openxmlformats.org/drawingml/2006/main" xmlns:r="http://schemas.openxmlformats.org/officeDocument/2006/relationships" xmlns:p="http://schemas.openxmlformats.org/presentationml/2006/main">
   <p:cSld>
     <p:spTree>
@@ -2997,7 +3316,7 @@
 </p:sld>
 </file>
 
-<file path=ppt/slides/slide5.xml><?xml version="1.0" encoding="utf-8"?>
+<file path=ppt/slides/slide6.xml><?xml version="1.0" encoding="utf-8"?>
 <p:sld xmlns:a="http://schemas.openxmlformats.org/drawingml/2006/main" xmlns:r="http://schemas.openxmlformats.org/officeDocument/2006/relationships" xmlns:p="http://schemas.openxmlformats.org/presentationml/2006/main">
   <p:cSld>
     <p:spTree>
@@ -3173,7 +3492,7 @@
 </p:sld>
 </file>
 
-<file path=ppt/slides/slide6.xml><?xml version="1.0" encoding="utf-8"?>
+<file path=ppt/slides/slide7.xml><?xml version="1.0" encoding="utf-8"?>
 <p:sld xmlns:a="http://schemas.openxmlformats.org/drawingml/2006/main" xmlns:r="http://schemas.openxmlformats.org/officeDocument/2006/relationships" xmlns:p="http://schemas.openxmlformats.org/presentationml/2006/main">
   <p:cSld>
     <p:spTree>
@@ -3332,7 +3651,7 @@
 </p:sld>
 </file>
 
-<file path=ppt/slides/slide7.xml><?xml version="1.0" encoding="utf-8"?>
+<file path=ppt/slides/slide8.xml><?xml version="1.0" encoding="utf-8"?>
 <p:sld xmlns:a="http://schemas.openxmlformats.org/drawingml/2006/main" xmlns:r="http://schemas.openxmlformats.org/officeDocument/2006/relationships" xmlns:p="http://schemas.openxmlformats.org/presentationml/2006/main">
   <p:cSld>
     <p:spTree>
@@ -3844,7 +4163,7 @@
 </p:sld>
 </file>
 
-<file path=ppt/slides/slide8.xml><?xml version="1.0" encoding="utf-8"?>
+<file path=ppt/slides/slide9.xml><?xml version="1.0" encoding="utf-8"?>
 <p:sld xmlns:a="http://schemas.openxmlformats.org/drawingml/2006/main" xmlns:r="http://schemas.openxmlformats.org/officeDocument/2006/relationships" xmlns:p="http://schemas.openxmlformats.org/presentationml/2006/main">
   <p:cSld>
     <p:spTree>
@@ -3955,176 +4274,6 @@
     <p:extLst>
       <p:ext uri="{BB962C8B-B14F-4D97-AF65-F5344CB8AC3E}">
         <p14:creationId xmlns:p14="http://schemas.microsoft.com/office/powerpoint/2010/main" val="3688732199"/>
-      </p:ext>
-    </p:extLst>
-  </p:cSld>
-  <p:clrMapOvr>
-    <a:masterClrMapping/>
-  </p:clrMapOvr>
-</p:sld>
-</file>
-
-<file path=ppt/slides/slide9.xml><?xml version="1.0" encoding="utf-8"?>
-<p:sld xmlns:a="http://schemas.openxmlformats.org/drawingml/2006/main" xmlns:r="http://schemas.openxmlformats.org/officeDocument/2006/relationships" xmlns:p="http://schemas.openxmlformats.org/presentationml/2006/main">
-  <p:cSld>
-    <p:spTree>
-      <p:nvGrpSpPr>
-        <p:cNvPr id="1" name=""/>
-        <p:cNvGrpSpPr/>
-        <p:nvPr/>
-      </p:nvGrpSpPr>
-      <p:grpSpPr>
-        <a:xfrm>
-          <a:off x="0" y="0"/>
-          <a:ext cx="0" cy="0"/>
-          <a:chOff x="0" y="0"/>
-          <a:chExt cx="0" cy="0"/>
-        </a:xfrm>
-      </p:grpSpPr>
-      <p:sp>
-        <p:nvSpPr>
-          <p:cNvPr id="2" name="Text Placeholder 1">
-            <a:extLst>
-              <a:ext uri="{FF2B5EF4-FFF2-40B4-BE49-F238E27FC236}">
-                <a16:creationId xmlns:a16="http://schemas.microsoft.com/office/drawing/2014/main" id="{E453E5AF-57F9-104B-A914-4332ADCD1727}"/>
-              </a:ext>
-            </a:extLst>
-          </p:cNvPr>
-          <p:cNvSpPr>
-            <a:spLocks noGrp="1"/>
-          </p:cNvSpPr>
-          <p:nvPr>
-            <p:ph type="body" sz="quarter" idx="10"/>
-          </p:nvPr>
-        </p:nvSpPr>
-        <p:spPr/>
-        <p:txBody>
-          <a:bodyPr/>
-          <a:lstStyle/>
-          <a:p>
-            <a:r>
-              <a:rPr lang="en-US" dirty="0"/>
-              <a:t>Implementation of a debugger</a:t>
-            </a:r>
-          </a:p>
-        </p:txBody>
-      </p:sp>
-      <p:sp>
-        <p:nvSpPr>
-          <p:cNvPr id="3" name="Text Placeholder 2">
-            <a:extLst>
-              <a:ext uri="{FF2B5EF4-FFF2-40B4-BE49-F238E27FC236}">
-                <a16:creationId xmlns:a16="http://schemas.microsoft.com/office/drawing/2014/main" id="{C62A3F2B-902A-0F43-9CA7-01752E5D04D8}"/>
-              </a:ext>
-            </a:extLst>
-          </p:cNvPr>
-          <p:cNvSpPr>
-            <a:spLocks noGrp="1"/>
-          </p:cNvSpPr>
-          <p:nvPr>
-            <p:ph type="body" sz="quarter" idx="11"/>
-          </p:nvPr>
-        </p:nvSpPr>
-        <p:spPr/>
-        <p:txBody>
-          <a:bodyPr/>
-          <a:lstStyle/>
-          <a:p>
-            <a:pPr marL="0" indent="0">
-              <a:buNone/>
-            </a:pPr>
-            <a:r>
-              <a:rPr lang="en-US" dirty="0"/>
-              <a:t>The runtime of the program has stack and heap.</a:t>
-            </a:r>
-          </a:p>
-          <a:p>
-            <a:pPr marL="0" indent="0">
-              <a:buNone/>
-            </a:pPr>
-            <a:r>
-              <a:rPr lang="en-US" dirty="0"/>
-              <a:t>In addition, it has the program – in the form of instructions in memory.</a:t>
-            </a:r>
-          </a:p>
-          <a:p>
-            <a:pPr marL="0" indent="0">
-              <a:buNone/>
-            </a:pPr>
-            <a:r>
-              <a:rPr lang="en-US" dirty="0"/>
-              <a:t>CPU does this loop:</a:t>
-            </a:r>
-          </a:p>
-          <a:p>
-            <a:pPr marL="514350" indent="-514350">
-              <a:buFont typeface="+mj-lt"/>
-              <a:buAutoNum type="arabicPeriod"/>
-            </a:pPr>
-            <a:r>
-              <a:rPr lang="en-US" dirty="0" err="1"/>
-              <a:t>inst</a:t>
-            </a:r>
-            <a:r>
-              <a:rPr lang="en-US" dirty="0"/>
-              <a:t> = Mem[</a:t>
-            </a:r>
-            <a:r>
-              <a:rPr lang="en-US" dirty="0" err="1"/>
-              <a:t>ip</a:t>
-            </a:r>
-            <a:r>
-              <a:rPr lang="en-US" dirty="0"/>
-              <a:t>] #</a:t>
-            </a:r>
-            <a:r>
-              <a:rPr lang="en-US" dirty="0" err="1"/>
-              <a:t>ip</a:t>
-            </a:r>
-            <a:r>
-              <a:rPr lang="en-US" dirty="0"/>
-              <a:t>= instruction pointer</a:t>
-            </a:r>
-          </a:p>
-          <a:p>
-            <a:pPr marL="514350" indent="-514350">
-              <a:buFont typeface="+mj-lt"/>
-              <a:buAutoNum type="arabicPeriod"/>
-            </a:pPr>
-            <a:r>
-              <a:rPr lang="en-US" dirty="0"/>
-              <a:t>execute(</a:t>
-            </a:r>
-            <a:r>
-              <a:rPr lang="en-US" dirty="0" err="1"/>
-              <a:t>inst</a:t>
-            </a:r>
-            <a:r>
-              <a:rPr lang="en-US" dirty="0"/>
-              <a:t>)</a:t>
-            </a:r>
-          </a:p>
-          <a:p>
-            <a:pPr marL="0" indent="0">
-              <a:buNone/>
-            </a:pPr>
-            <a:endParaRPr lang="en-US" dirty="0"/>
-          </a:p>
-          <a:p>
-            <a:pPr marL="0" indent="0">
-              <a:buNone/>
-            </a:pPr>
-            <a:r>
-              <a:rPr lang="en-US" dirty="0"/>
-              <a:t>If you want the debugger to break at instruction 78, you swap the instruction at location 78 with a call to the debugger. That is it.</a:t>
-            </a:r>
-          </a:p>
-        </p:txBody>
-      </p:sp>
-    </p:spTree>
-    <p:extLst>
-      <p:ext uri="{BB962C8B-B14F-4D97-AF65-F5344CB8AC3E}">
-        <p14:creationId xmlns:p14="http://schemas.microsoft.com/office/powerpoint/2010/main" val="4033262227"/>
       </p:ext>
     </p:extLst>
   </p:cSld>
